--- a/1. Document/Slides/20-FindLastIndex.pptx
+++ b/1. Document/Slides/20-FindLastIndex.pptx
@@ -210,7 +210,7 @@
           <a:p>
             <a:fld id="{749F7025-33D9-4E9F-9955-A14222A03D05}" type="datetimeFigureOut">
               <a:rPr lang="en-US" smtClean="0"/>
-              <a:t>8/29/2021</a:t>
+              <a:t>2/12/2025</a:t>
             </a:fld>
             <a:endParaRPr lang="en-US"/>
           </a:p>
@@ -605,7 +605,18 @@
           <a:bodyPr/>
           <a:lstStyle/>
           <a:p>
-            <a:endParaRPr lang="en-US"/>
+            <a:r>
+              <a:rPr lang="en-US" dirty="0"/>
+              <a:t>để tìm </a:t>
+            </a:r>
+            <a:r>
+              <a:rPr lang="en-US" b="1" dirty="0"/>
+              <a:t>vị trí (chỉ mục) của phần tử cuối cùng</a:t>
+            </a:r>
+            <a:r>
+              <a:rPr lang="en-US" dirty="0"/>
+              <a:t> trong danh sách (List) thỏa mãn một điều kiện cụ thể.</a:t>
+            </a:r>
           </a:p>
         </p:txBody>
       </p:sp>
@@ -824,7 +835,7 @@
           <a:p>
             <a:fld id="{1ADF62C2-72EA-4953-A1D6-568F980002B8}" type="datetimeFigureOut">
               <a:rPr lang="en-US" smtClean="0"/>
-              <a:t>8/29/2021</a:t>
+              <a:t>2/12/2025</a:t>
             </a:fld>
             <a:endParaRPr lang="en-US"/>
           </a:p>
@@ -992,7 +1003,7 @@
           <a:p>
             <a:fld id="{1ADF62C2-72EA-4953-A1D6-568F980002B8}" type="datetimeFigureOut">
               <a:rPr lang="en-US" smtClean="0"/>
-              <a:t>8/29/2021</a:t>
+              <a:t>2/12/2025</a:t>
             </a:fld>
             <a:endParaRPr lang="en-US"/>
           </a:p>
@@ -1170,7 +1181,7 @@
           <a:p>
             <a:fld id="{1ADF62C2-72EA-4953-A1D6-568F980002B8}" type="datetimeFigureOut">
               <a:rPr lang="en-US" smtClean="0"/>
-              <a:t>8/29/2021</a:t>
+              <a:t>2/12/2025</a:t>
             </a:fld>
             <a:endParaRPr lang="en-US"/>
           </a:p>
@@ -1802,7 +1813,7 @@
           <a:p>
             <a:fld id="{1ADF62C2-72EA-4953-A1D6-568F980002B8}" type="datetimeFigureOut">
               <a:rPr lang="en-US" smtClean="0"/>
-              <a:t>8/29/2021</a:t>
+              <a:t>2/12/2025</a:t>
             </a:fld>
             <a:endParaRPr lang="en-US"/>
           </a:p>
@@ -2087,7 +2098,7 @@
           <a:p>
             <a:fld id="{1ADF62C2-72EA-4953-A1D6-568F980002B8}" type="datetimeFigureOut">
               <a:rPr lang="en-US" smtClean="0"/>
-              <a:t>8/29/2021</a:t>
+              <a:t>2/12/2025</a:t>
             </a:fld>
             <a:endParaRPr lang="en-US"/>
           </a:p>
@@ -2506,7 +2517,7 @@
           <a:p>
             <a:fld id="{1ADF62C2-72EA-4953-A1D6-568F980002B8}" type="datetimeFigureOut">
               <a:rPr lang="en-US" smtClean="0"/>
-              <a:t>8/29/2021</a:t>
+              <a:t>2/12/2025</a:t>
             </a:fld>
             <a:endParaRPr lang="en-US"/>
           </a:p>
@@ -2623,7 +2634,7 @@
           <a:p>
             <a:fld id="{1ADF62C2-72EA-4953-A1D6-568F980002B8}" type="datetimeFigureOut">
               <a:rPr lang="en-US" smtClean="0"/>
-              <a:t>8/29/2021</a:t>
+              <a:t>2/12/2025</a:t>
             </a:fld>
             <a:endParaRPr lang="en-US"/>
           </a:p>
@@ -2718,7 +2729,7 @@
           <a:p>
             <a:fld id="{1ADF62C2-72EA-4953-A1D6-568F980002B8}" type="datetimeFigureOut">
               <a:rPr lang="en-US" smtClean="0"/>
-              <a:t>8/29/2021</a:t>
+              <a:t>2/12/2025</a:t>
             </a:fld>
             <a:endParaRPr lang="en-US"/>
           </a:p>
@@ -2993,7 +3004,7 @@
           <a:p>
             <a:fld id="{1ADF62C2-72EA-4953-A1D6-568F980002B8}" type="datetimeFigureOut">
               <a:rPr lang="en-US" smtClean="0"/>
-              <a:t>8/29/2021</a:t>
+              <a:t>2/12/2025</a:t>
             </a:fld>
             <a:endParaRPr lang="en-US"/>
           </a:p>
@@ -3245,7 +3256,7 @@
           <a:p>
             <a:fld id="{1ADF62C2-72EA-4953-A1D6-568F980002B8}" type="datetimeFigureOut">
               <a:rPr lang="en-US" smtClean="0"/>
-              <a:t>8/29/2021</a:t>
+              <a:t>2/12/2025</a:t>
             </a:fld>
             <a:endParaRPr lang="en-US"/>
           </a:p>
@@ -3456,7 +3467,7 @@
           <a:p>
             <a:fld id="{1ADF62C2-72EA-4953-A1D6-568F980002B8}" type="datetimeFigureOut">
               <a:rPr lang="en-US" smtClean="0"/>
-              <a:t>8/29/2021</a:t>
+              <a:t>2/12/2025</a:t>
             </a:fld>
             <a:endParaRPr lang="en-US"/>
           </a:p>
